--- a/랩미팅/201908/190826 (Jong).pptx
+++ b/랩미팅/201908/190826 (Jong).pptx
@@ -3861,7 +3861,7 @@
         </p:nvGrpSpPr>
         <p:grpSpPr>
           <a:xfrm>
-            <a:off x="475543" y="3976600"/>
+            <a:off x="496129" y="3814975"/>
             <a:ext cx="2997063" cy="2300244"/>
             <a:chOff x="1666101" y="3251771"/>
             <a:chExt cx="2997063" cy="2300244"/>
@@ -5154,8 +5154,8 @@
           </a:fontRef>
         </p:style>
       </p:cxnSp>
-      <mc:AlternateContent xmlns:mc="http://schemas.openxmlformats.org/markup-compatibility/2006" xmlns:a14="http://schemas.microsoft.com/office/drawing/2010/main">
-        <mc:Choice Requires="a14">
+      <mc:AlternateContent xmlns:mc="http://schemas.openxmlformats.org/markup-compatibility/2006">
+        <mc:Choice xmlns:a14="http://schemas.microsoft.com/office/drawing/2010/main" Requires="a14">
           <p:sp>
             <p:nvSpPr>
               <p:cNvPr id="40" name="TextBox 39"/>
@@ -5164,7 +5164,7 @@
             </p:nvSpPr>
             <p:spPr>
               <a:xfrm rot="16200000">
-                <a:off x="387317" y="4806469"/>
+                <a:off x="407903" y="4644844"/>
                 <a:ext cx="343620" cy="184666"/>
               </a:xfrm>
               <a:prstGeom prst="rect">
@@ -5199,7 +5199,7 @@
             </p:txBody>
           </p:sp>
         </mc:Choice>
-        <mc:Fallback xmlns="">
+        <mc:Fallback>
           <p:sp>
             <p:nvSpPr>
               <p:cNvPr id="40" name="TextBox 39"/>
@@ -5210,7 +5210,7 @@
             </p:nvSpPr>
             <p:spPr>
               <a:xfrm rot="16200000">
-                <a:off x="387317" y="4806469"/>
+                <a:off x="407903" y="4644844"/>
                 <a:ext cx="343620" cy="184666"/>
               </a:xfrm>
               <a:prstGeom prst="rect">
@@ -5219,7 +5219,7 @@
               <a:blipFill>
                 <a:blip r:embed="rId8"/>
                 <a:stretch>
-                  <a:fillRect t="-8772" r="-6667" b="-10526"/>
+                  <a:fillRect t="-10714" r="-6667" b="-10714"/>
                 </a:stretch>
               </a:blipFill>
             </p:spPr>
@@ -5238,8 +5238,8 @@
           </p:sp>
         </mc:Fallback>
       </mc:AlternateContent>
-      <mc:AlternateContent xmlns:mc="http://schemas.openxmlformats.org/markup-compatibility/2006" xmlns:a14="http://schemas.microsoft.com/office/drawing/2010/main">
-        <mc:Choice Requires="a14">
+      <mc:AlternateContent xmlns:mc="http://schemas.openxmlformats.org/markup-compatibility/2006">
+        <mc:Choice xmlns:a14="http://schemas.microsoft.com/office/drawing/2010/main" Requires="a14">
           <p:sp>
             <p:nvSpPr>
               <p:cNvPr id="41" name="TextBox 40"/>
@@ -5248,7 +5248,7 @@
             </p:nvSpPr>
             <p:spPr>
               <a:xfrm>
-                <a:off x="1633405" y="6075057"/>
+                <a:off x="1653991" y="5913432"/>
                 <a:ext cx="295081" cy="201787"/>
               </a:xfrm>
               <a:prstGeom prst="rect">
@@ -5318,7 +5318,7 @@
             </p:txBody>
           </p:sp>
         </mc:Choice>
-        <mc:Fallback xmlns="">
+        <mc:Fallback>
           <p:sp>
             <p:nvSpPr>
               <p:cNvPr id="41" name="TextBox 40"/>
@@ -5329,7 +5329,7 @@
             </p:nvSpPr>
             <p:spPr>
               <a:xfrm>
-                <a:off x="1633405" y="6075057"/>
+                <a:off x="1653991" y="5913432"/>
                 <a:ext cx="295081" cy="201787"/>
               </a:xfrm>
               <a:prstGeom prst="rect">
@@ -5338,7 +5338,7 @@
               <a:blipFill>
                 <a:blip r:embed="rId9"/>
                 <a:stretch>
-                  <a:fillRect l="-14583" r="-6250" b="-27273"/>
+                  <a:fillRect l="-12245" r="-4082" b="-27273"/>
                 </a:stretch>
               </a:blipFill>
             </p:spPr>
@@ -5365,7 +5365,7 @@
         </p:nvCxnSpPr>
         <p:spPr>
           <a:xfrm flipV="1">
-            <a:off x="2038599" y="4821878"/>
+            <a:off x="2059185" y="4660253"/>
             <a:ext cx="1356013" cy="1048363"/>
           </a:xfrm>
           <a:prstGeom prst="line">
@@ -5401,7 +5401,7 @@
         </p:nvSpPr>
         <p:spPr>
           <a:xfrm>
-            <a:off x="3200957" y="4466566"/>
+            <a:off x="3221543" y="4304941"/>
             <a:ext cx="1117204" cy="369332"/>
           </a:xfrm>
           <a:prstGeom prst="rect">
@@ -5432,7 +5432,7 @@
         </p:nvSpPr>
         <p:spPr>
           <a:xfrm>
-            <a:off x="304714" y="3441939"/>
+            <a:off x="325300" y="3280314"/>
             <a:ext cx="4013447" cy="369332"/>
           </a:xfrm>
           <a:prstGeom prst="rect">
@@ -5471,14 +5471,102 @@
         </p:blipFill>
         <p:spPr>
           <a:xfrm>
-            <a:off x="5107068" y="3961252"/>
-            <a:ext cx="2137359" cy="1554989"/>
+            <a:off x="5227200" y="4092865"/>
+            <a:ext cx="2544562" cy="1851241"/>
           </a:xfrm>
           <a:prstGeom prst="rect">
             <a:avLst/>
           </a:prstGeom>
         </p:spPr>
       </p:pic>
+      <p:sp>
+        <p:nvSpPr>
+          <p:cNvPr id="2" name="직사각형 1"/>
+          <p:cNvSpPr/>
+          <p:nvPr/>
+        </p:nvSpPr>
+        <p:spPr>
+          <a:xfrm>
+            <a:off x="4297673" y="6039343"/>
+            <a:ext cx="4175951" cy="246221"/>
+          </a:xfrm>
+          <a:prstGeom prst="rect">
+            <a:avLst/>
+          </a:prstGeom>
+        </p:spPr>
+        <p:txBody>
+          <a:bodyPr wrap="square">
+            <a:spAutoFit/>
+          </a:bodyPr>
+          <a:lstStyle/>
+          <a:p>
+            <a:r>
+              <a:rPr lang="en-US" altLang="ko-KR" sz="1000" dirty="0">
+                <a:solidFill>
+                  <a:srgbClr val="333333"/>
+                </a:solidFill>
+                <a:latin typeface="Times New Roman" panose="02020603050405020304" pitchFamily="18" charset="0"/>
+              </a:rPr>
+              <a:t>A. Y. </a:t>
+            </a:r>
+            <a:r>
+              <a:rPr lang="en-US" altLang="ko-KR" sz="1000" dirty="0" smtClean="0">
+                <a:solidFill>
+                  <a:srgbClr val="333333"/>
+                </a:solidFill>
+                <a:latin typeface="Times New Roman" panose="02020603050405020304" pitchFamily="18" charset="0"/>
+              </a:rPr>
+              <a:t>Piggott et al</a:t>
+            </a:r>
+            <a:r>
+              <a:rPr lang="en-US" altLang="ko-KR" sz="1000" dirty="0">
+                <a:solidFill>
+                  <a:srgbClr val="333333"/>
+                </a:solidFill>
+                <a:latin typeface="Times New Roman" panose="02020603050405020304" pitchFamily="18" charset="0"/>
+              </a:rPr>
+              <a:t>.</a:t>
+            </a:r>
+            <a:r>
+              <a:rPr lang="en-US" altLang="ko-KR" sz="1000" dirty="0" smtClean="0">
+                <a:solidFill>
+                  <a:srgbClr val="333333"/>
+                </a:solidFill>
+                <a:latin typeface="Times New Roman" panose="02020603050405020304" pitchFamily="18" charset="0"/>
+              </a:rPr>
+              <a:t>, </a:t>
+            </a:r>
+            <a:r>
+              <a:rPr lang="en-US" altLang="ko-KR" sz="1000" dirty="0">
+                <a:solidFill>
+                  <a:srgbClr val="333333"/>
+                </a:solidFill>
+                <a:latin typeface="Times New Roman" panose="02020603050405020304" pitchFamily="18" charset="0"/>
+              </a:rPr>
+              <a:t> </a:t>
+            </a:r>
+            <a:r>
+              <a:rPr lang="en-US" altLang="ko-KR" sz="1000" i="1" dirty="0">
+                <a:solidFill>
+                  <a:srgbClr val="333333"/>
+                </a:solidFill>
+                <a:latin typeface="Times New Roman" panose="02020603050405020304" pitchFamily="18" charset="0"/>
+              </a:rPr>
+              <a:t>Nature Photonics</a:t>
+            </a:r>
+            <a:r>
+              <a:rPr lang="en-US" altLang="ko-KR" sz="1000" dirty="0">
+                <a:solidFill>
+                  <a:srgbClr val="333333"/>
+                </a:solidFill>
+                <a:latin typeface="Times New Roman" panose="02020603050405020304" pitchFamily="18" charset="0"/>
+              </a:rPr>
+              <a:t>, vol. 9, no. 6, pp. 374–377, Nov. 2015.</a:t>
+            </a:r>
+            <a:endParaRPr lang="ko-KR" altLang="en-US" sz="1000" dirty="0"/>
+          </a:p>
+        </p:txBody>
+      </p:sp>
     </p:spTree>
     <p:extLst>
       <p:ext uri="{BB962C8B-B14F-4D97-AF65-F5344CB8AC3E}">
@@ -10975,7 +11063,7 @@
         </p:nvSpPr>
         <p:spPr>
           <a:xfrm>
-            <a:off x="176805" y="480666"/>
+            <a:off x="176805" y="637265"/>
             <a:ext cx="3061364" cy="369332"/>
           </a:xfrm>
           <a:prstGeom prst="rect">
@@ -11113,6 +11201,790 @@
               <a:t>spectrum</a:t>
             </a:r>
             <a:endParaRPr lang="ko-KR" altLang="en-US" dirty="0"/>
+          </a:p>
+        </p:txBody>
+      </p:sp>
+      <mc:AlternateContent xmlns:mc="http://schemas.openxmlformats.org/markup-compatibility/2006">
+        <mc:Choice xmlns:a14="http://schemas.microsoft.com/office/drawing/2010/main" Requires="a14">
+          <p:sp>
+            <p:nvSpPr>
+              <p:cNvPr id="11" name="TextBox 10"/>
+              <p:cNvSpPr txBox="1"/>
+              <p:nvPr/>
+            </p:nvSpPr>
+            <p:spPr>
+              <a:xfrm>
+                <a:off x="3887230" y="4496130"/>
+                <a:ext cx="789127" cy="430887"/>
+              </a:xfrm>
+              <a:prstGeom prst="rect">
+                <a:avLst/>
+              </a:prstGeom>
+              <a:noFill/>
+            </p:spPr>
+            <p:txBody>
+              <a:bodyPr wrap="none" lIns="0" tIns="0" rIns="0" bIns="0" rtlCol="0">
+                <a:spAutoFit/>
+              </a:bodyPr>
+              <a:lstStyle/>
+              <a:p>
+                <a:pPr/>
+                <a14:m>
+                  <m:oMathPara xmlns:m="http://schemas.openxmlformats.org/officeDocument/2006/math">
+                    <m:oMathParaPr>
+                      <m:jc m:val="centerGroup"/>
+                    </m:oMathParaPr>
+                    <m:oMath xmlns:m="http://schemas.openxmlformats.org/officeDocument/2006/math">
+                      <m:r>
+                        <a:rPr lang="en-US" altLang="ko-KR" sz="2800" b="0" i="1" smtClean="0">
+                          <a:latin typeface="Cambria Math" panose="02040503050406030204" pitchFamily="18" charset="0"/>
+                        </a:rPr>
+                        <m:t>𝑓</m:t>
+                      </m:r>
+                      <m:d>
+                        <m:dPr>
+                          <m:ctrlPr>
+                            <a:rPr lang="en-US" altLang="ko-KR" sz="2800" b="0" i="1" smtClean="0">
+                              <a:latin typeface="Cambria Math" panose="02040503050406030204" pitchFamily="18" charset="0"/>
+                            </a:rPr>
+                          </m:ctrlPr>
+                        </m:dPr>
+                        <m:e>
+                          <m:r>
+                            <a:rPr lang="en-US" altLang="ko-KR" sz="2800" b="0" i="1" smtClean="0">
+                              <a:latin typeface="Cambria Math" panose="02040503050406030204" pitchFamily="18" charset="0"/>
+                            </a:rPr>
+                            <m:t>𝑥</m:t>
+                          </m:r>
+                        </m:e>
+                      </m:d>
+                    </m:oMath>
+                  </m:oMathPara>
+                </a14:m>
+                <a:endParaRPr lang="ko-KR" altLang="en-US" sz="2800" dirty="0"/>
+              </a:p>
+            </p:txBody>
+          </p:sp>
+        </mc:Choice>
+        <mc:Fallback>
+          <p:sp>
+            <p:nvSpPr>
+              <p:cNvPr id="11" name="TextBox 10"/>
+              <p:cNvSpPr txBox="1">
+                <a:spLocks noRot="1" noChangeAspect="1" noMove="1" noResize="1" noEditPoints="1" noAdjustHandles="1" noChangeArrowheads="1" noChangeShapeType="1" noTextEdit="1"/>
+              </p:cNvSpPr>
+              <p:nvPr/>
+            </p:nvSpPr>
+            <p:spPr>
+              <a:xfrm>
+                <a:off x="3887230" y="4496130"/>
+                <a:ext cx="789127" cy="430887"/>
+              </a:xfrm>
+              <a:prstGeom prst="rect">
+                <a:avLst/>
+              </a:prstGeom>
+              <a:blipFill>
+                <a:blip r:embed="rId5"/>
+                <a:stretch>
+                  <a:fillRect/>
+                </a:stretch>
+              </a:blipFill>
+            </p:spPr>
+            <p:txBody>
+              <a:bodyPr/>
+              <a:lstStyle/>
+              <a:p>
+                <a:r>
+                  <a:rPr lang="ko-KR" altLang="en-US">
+                    <a:noFill/>
+                  </a:rPr>
+                  <a:t> </a:t>
+                </a:r>
+              </a:p>
+            </p:txBody>
+          </p:sp>
+        </mc:Fallback>
+      </mc:AlternateContent>
+      <mc:AlternateContent xmlns:mc="http://schemas.openxmlformats.org/markup-compatibility/2006">
+        <mc:Choice xmlns:a14="http://schemas.microsoft.com/office/drawing/2010/main" Requires="a14">
+          <p:sp>
+            <p:nvSpPr>
+              <p:cNvPr id="12" name="TextBox 11"/>
+              <p:cNvSpPr txBox="1"/>
+              <p:nvPr/>
+            </p:nvSpPr>
+            <p:spPr>
+              <a:xfrm>
+                <a:off x="3176158" y="4496130"/>
+                <a:ext cx="466603" cy="430887"/>
+              </a:xfrm>
+              <a:prstGeom prst="rect">
+                <a:avLst/>
+              </a:prstGeom>
+              <a:noFill/>
+            </p:spPr>
+            <p:txBody>
+              <a:bodyPr wrap="none" lIns="0" tIns="0" rIns="0" bIns="0" rtlCol="0">
+                <a:spAutoFit/>
+              </a:bodyPr>
+              <a:lstStyle/>
+              <a:p>
+                <a14:m>
+                  <m:oMath xmlns:m="http://schemas.openxmlformats.org/officeDocument/2006/math">
+                    <m:sSub>
+                      <m:sSubPr>
+                        <m:ctrlPr>
+                          <a:rPr lang="en-US" altLang="ko-KR" sz="2800" b="0" i="1" smtClean="0">
+                            <a:latin typeface="Cambria Math" panose="02040503050406030204" pitchFamily="18" charset="0"/>
+                          </a:rPr>
+                        </m:ctrlPr>
+                      </m:sSubPr>
+                      <m:e>
+                        <m:r>
+                          <a:rPr lang="en-US" altLang="ko-KR" sz="2800" b="0" i="1" smtClean="0">
+                            <a:latin typeface="Cambria Math" panose="02040503050406030204" pitchFamily="18" charset="0"/>
+                          </a:rPr>
+                          <m:t>𝑥</m:t>
+                        </m:r>
+                      </m:e>
+                      <m:sub>
+                        <m:r>
+                          <m:rPr>
+                            <m:sty m:val="p"/>
+                          </m:rPr>
+                          <a:rPr lang="en-US" altLang="ko-KR" sz="2800" b="0" i="0" smtClean="0">
+                            <a:latin typeface="Cambria Math" panose="02040503050406030204" pitchFamily="18" charset="0"/>
+                          </a:rPr>
+                          <m:t>A</m:t>
+                        </m:r>
+                      </m:sub>
+                    </m:sSub>
+                  </m:oMath>
+                </a14:m>
+                <a:r>
+                  <a:rPr lang="en-US" altLang="ko-KR" sz="2800" dirty="0" smtClean="0"/>
+                  <a:t> </a:t>
+                </a:r>
+                <a:endParaRPr lang="ko-KR" altLang="en-US" sz="2800" dirty="0"/>
+              </a:p>
+            </p:txBody>
+          </p:sp>
+        </mc:Choice>
+        <mc:Fallback>
+          <p:sp>
+            <p:nvSpPr>
+              <p:cNvPr id="12" name="TextBox 11"/>
+              <p:cNvSpPr txBox="1">
+                <a:spLocks noRot="1" noChangeAspect="1" noMove="1" noResize="1" noEditPoints="1" noAdjustHandles="1" noChangeArrowheads="1" noChangeShapeType="1" noTextEdit="1"/>
+              </p:cNvSpPr>
+              <p:nvPr/>
+            </p:nvSpPr>
+            <p:spPr>
+              <a:xfrm>
+                <a:off x="3176158" y="4496130"/>
+                <a:ext cx="466603" cy="430887"/>
+              </a:xfrm>
+              <a:prstGeom prst="rect">
+                <a:avLst/>
+              </a:prstGeom>
+              <a:blipFill>
+                <a:blip r:embed="rId6"/>
+                <a:stretch>
+                  <a:fillRect/>
+                </a:stretch>
+              </a:blipFill>
+            </p:spPr>
+            <p:txBody>
+              <a:bodyPr/>
+              <a:lstStyle/>
+              <a:p>
+                <a:r>
+                  <a:rPr lang="ko-KR" altLang="en-US">
+                    <a:noFill/>
+                  </a:rPr>
+                  <a:t> </a:t>
+                </a:r>
+              </a:p>
+            </p:txBody>
+          </p:sp>
+        </mc:Fallback>
+      </mc:AlternateContent>
+      <mc:AlternateContent xmlns:mc="http://schemas.openxmlformats.org/markup-compatibility/2006">
+        <mc:Choice xmlns:a14="http://schemas.microsoft.com/office/drawing/2010/main" Requires="a14">
+          <p:sp>
+            <p:nvSpPr>
+              <p:cNvPr id="13" name="TextBox 12"/>
+              <p:cNvSpPr txBox="1"/>
+              <p:nvPr/>
+            </p:nvSpPr>
+            <p:spPr>
+              <a:xfrm>
+                <a:off x="4923264" y="4496130"/>
+                <a:ext cx="443904" cy="430887"/>
+              </a:xfrm>
+              <a:prstGeom prst="rect">
+                <a:avLst/>
+              </a:prstGeom>
+              <a:noFill/>
+            </p:spPr>
+            <p:txBody>
+              <a:bodyPr wrap="none" lIns="0" tIns="0" rIns="0" bIns="0" rtlCol="0">
+                <a:spAutoFit/>
+              </a:bodyPr>
+              <a:lstStyle/>
+              <a:p>
+                <a:pPr/>
+                <a14:m>
+                  <m:oMathPara xmlns:m="http://schemas.openxmlformats.org/officeDocument/2006/math">
+                    <m:oMathParaPr>
+                      <m:jc m:val="centerGroup"/>
+                    </m:oMathParaPr>
+                    <m:oMath xmlns:m="http://schemas.openxmlformats.org/officeDocument/2006/math">
+                      <m:sSub>
+                        <m:sSubPr>
+                          <m:ctrlPr>
+                            <a:rPr lang="en-US" altLang="ko-KR" sz="2800" b="0" i="1" smtClean="0">
+                              <a:latin typeface="Cambria Math" panose="02040503050406030204" pitchFamily="18" charset="0"/>
+                            </a:rPr>
+                          </m:ctrlPr>
+                        </m:sSubPr>
+                        <m:e>
+                          <m:r>
+                            <a:rPr lang="en-US" altLang="ko-KR" sz="2800" b="0" i="1" smtClean="0">
+                              <a:latin typeface="Cambria Math" panose="02040503050406030204" pitchFamily="18" charset="0"/>
+                            </a:rPr>
+                            <m:t>𝑦</m:t>
+                          </m:r>
+                        </m:e>
+                        <m:sub>
+                          <m:r>
+                            <a:rPr lang="en-US" altLang="ko-KR" sz="2800" b="0" i="1" smtClean="0">
+                              <a:latin typeface="Cambria Math" panose="02040503050406030204" pitchFamily="18" charset="0"/>
+                            </a:rPr>
+                            <m:t>𝐴</m:t>
+                          </m:r>
+                        </m:sub>
+                      </m:sSub>
+                    </m:oMath>
+                  </m:oMathPara>
+                </a14:m>
+                <a:endParaRPr lang="ko-KR" altLang="en-US" sz="2800" dirty="0"/>
+              </a:p>
+            </p:txBody>
+          </p:sp>
+        </mc:Choice>
+        <mc:Fallback>
+          <p:sp>
+            <p:nvSpPr>
+              <p:cNvPr id="13" name="TextBox 12"/>
+              <p:cNvSpPr txBox="1">
+                <a:spLocks noRot="1" noChangeAspect="1" noMove="1" noResize="1" noEditPoints="1" noAdjustHandles="1" noChangeArrowheads="1" noChangeShapeType="1" noTextEdit="1"/>
+              </p:cNvSpPr>
+              <p:nvPr/>
+            </p:nvSpPr>
+            <p:spPr>
+              <a:xfrm>
+                <a:off x="4923264" y="4496130"/>
+                <a:ext cx="443904" cy="430887"/>
+              </a:xfrm>
+              <a:prstGeom prst="rect">
+                <a:avLst/>
+              </a:prstGeom>
+              <a:blipFill>
+                <a:blip r:embed="rId7"/>
+                <a:stretch>
+                  <a:fillRect/>
+                </a:stretch>
+              </a:blipFill>
+            </p:spPr>
+            <p:txBody>
+              <a:bodyPr/>
+              <a:lstStyle/>
+              <a:p>
+                <a:r>
+                  <a:rPr lang="ko-KR" altLang="en-US">
+                    <a:noFill/>
+                  </a:rPr>
+                  <a:t> </a:t>
+                </a:r>
+              </a:p>
+            </p:txBody>
+          </p:sp>
+        </mc:Fallback>
+      </mc:AlternateContent>
+      <mc:AlternateContent xmlns:mc="http://schemas.openxmlformats.org/markup-compatibility/2006">
+        <mc:Choice xmlns:a14="http://schemas.microsoft.com/office/drawing/2010/main" Requires="a14">
+          <p:sp>
+            <p:nvSpPr>
+              <p:cNvPr id="14" name="TextBox 13"/>
+              <p:cNvSpPr txBox="1"/>
+              <p:nvPr/>
+            </p:nvSpPr>
+            <p:spPr>
+              <a:xfrm>
+                <a:off x="5768819" y="4496130"/>
+                <a:ext cx="999120" cy="430887"/>
+              </a:xfrm>
+              <a:prstGeom prst="rect">
+                <a:avLst/>
+              </a:prstGeom>
+              <a:noFill/>
+            </p:spPr>
+            <p:txBody>
+              <a:bodyPr wrap="none" lIns="0" tIns="0" rIns="0" bIns="0" rtlCol="0">
+                <a:spAutoFit/>
+              </a:bodyPr>
+              <a:lstStyle/>
+              <a:p>
+                <a:pPr/>
+                <a14:m>
+                  <m:oMathPara xmlns:m="http://schemas.openxmlformats.org/officeDocument/2006/math">
+                    <m:oMathParaPr>
+                      <m:jc m:val="centerGroup"/>
+                    </m:oMathParaPr>
+                    <m:oMath xmlns:m="http://schemas.openxmlformats.org/officeDocument/2006/math">
+                      <m:sSub>
+                        <m:sSubPr>
+                          <m:ctrlPr>
+                            <a:rPr lang="en-US" altLang="ko-KR" sz="2800" b="0" i="1" smtClean="0">
+                              <a:latin typeface="Cambria Math" panose="02040503050406030204" pitchFamily="18" charset="0"/>
+                            </a:rPr>
+                          </m:ctrlPr>
+                        </m:sSubPr>
+                        <m:e>
+                          <m:r>
+                            <m:rPr>
+                              <m:sty m:val="p"/>
+                            </m:rPr>
+                            <a:rPr lang="en-US" altLang="ko-KR" sz="2800" b="0" i="0" smtClean="0">
+                              <a:latin typeface="Cambria Math" panose="02040503050406030204" pitchFamily="18" charset="0"/>
+                            </a:rPr>
+                            <m:t>FOM</m:t>
+                          </m:r>
+                        </m:e>
+                        <m:sub>
+                          <m:r>
+                            <m:rPr>
+                              <m:sty m:val="p"/>
+                            </m:rPr>
+                            <a:rPr lang="en-US" altLang="ko-KR" sz="2800" b="0" i="0" smtClean="0">
+                              <a:latin typeface="Cambria Math" panose="02040503050406030204" pitchFamily="18" charset="0"/>
+                            </a:rPr>
+                            <m:t>A</m:t>
+                          </m:r>
+                        </m:sub>
+                      </m:sSub>
+                    </m:oMath>
+                  </m:oMathPara>
+                </a14:m>
+                <a:endParaRPr lang="ko-KR" altLang="en-US" sz="2800" dirty="0"/>
+              </a:p>
+            </p:txBody>
+          </p:sp>
+        </mc:Choice>
+        <mc:Fallback>
+          <p:sp>
+            <p:nvSpPr>
+              <p:cNvPr id="14" name="TextBox 13"/>
+              <p:cNvSpPr txBox="1">
+                <a:spLocks noRot="1" noChangeAspect="1" noMove="1" noResize="1" noEditPoints="1" noAdjustHandles="1" noChangeArrowheads="1" noChangeShapeType="1" noTextEdit="1"/>
+              </p:cNvSpPr>
+              <p:nvPr/>
+            </p:nvSpPr>
+            <p:spPr>
+              <a:xfrm>
+                <a:off x="5768819" y="4496130"/>
+                <a:ext cx="999120" cy="430887"/>
+              </a:xfrm>
+              <a:prstGeom prst="rect">
+                <a:avLst/>
+              </a:prstGeom>
+              <a:blipFill>
+                <a:blip r:embed="rId8"/>
+                <a:stretch>
+                  <a:fillRect/>
+                </a:stretch>
+              </a:blipFill>
+            </p:spPr>
+            <p:txBody>
+              <a:bodyPr/>
+              <a:lstStyle/>
+              <a:p>
+                <a:r>
+                  <a:rPr lang="ko-KR" altLang="en-US">
+                    <a:noFill/>
+                  </a:rPr>
+                  <a:t> </a:t>
+                </a:r>
+              </a:p>
+            </p:txBody>
+          </p:sp>
+        </mc:Fallback>
+      </mc:AlternateContent>
+      <p:sp>
+        <p:nvSpPr>
+          <p:cNvPr id="15" name="TextBox 14"/>
+          <p:cNvSpPr txBox="1"/>
+          <p:nvPr/>
+        </p:nvSpPr>
+        <p:spPr>
+          <a:xfrm>
+            <a:off x="4267270" y="5822948"/>
+            <a:ext cx="1156000" cy="369332"/>
+          </a:xfrm>
+          <a:prstGeom prst="rect">
+            <a:avLst/>
+          </a:prstGeom>
+          <a:noFill/>
+        </p:spPr>
+        <p:txBody>
+          <a:bodyPr wrap="square" rtlCol="0">
+            <a:spAutoFit/>
+          </a:bodyPr>
+          <a:lstStyle/>
+          <a:p>
+            <a:pPr algn="ctr"/>
+            <a:r>
+              <a:rPr lang="en-US" altLang="ko-KR" dirty="0" smtClean="0"/>
+              <a:t>minimize</a:t>
+            </a:r>
+            <a:endParaRPr lang="ko-KR" altLang="en-US" dirty="0"/>
+          </a:p>
+        </p:txBody>
+      </p:sp>
+      <p:cxnSp>
+        <p:nvCxnSpPr>
+          <p:cNvPr id="16" name="직선 화살표 연결선 15"/>
+          <p:cNvCxnSpPr>
+            <a:stCxn id="12" idx="3"/>
+            <a:endCxn id="11" idx="1"/>
+          </p:cNvCxnSpPr>
+          <p:nvPr/>
+        </p:nvCxnSpPr>
+        <p:spPr>
+          <a:xfrm>
+            <a:off x="3642761" y="4711574"/>
+            <a:ext cx="244469" cy="0"/>
+          </a:xfrm>
+          <a:prstGeom prst="straightConnector1">
+            <a:avLst/>
+          </a:prstGeom>
+          <a:ln>
+            <a:tailEnd type="triangle"/>
+          </a:ln>
+        </p:spPr>
+        <p:style>
+          <a:lnRef idx="1">
+            <a:schemeClr val="dk1"/>
+          </a:lnRef>
+          <a:fillRef idx="0">
+            <a:schemeClr val="dk1"/>
+          </a:fillRef>
+          <a:effectRef idx="0">
+            <a:schemeClr val="dk1"/>
+          </a:effectRef>
+          <a:fontRef idx="minor">
+            <a:schemeClr val="tx1"/>
+          </a:fontRef>
+        </p:style>
+      </p:cxnSp>
+      <p:cxnSp>
+        <p:nvCxnSpPr>
+          <p:cNvPr id="17" name="직선 화살표 연결선 16"/>
+          <p:cNvCxnSpPr>
+            <a:stCxn id="11" idx="3"/>
+            <a:endCxn id="13" idx="1"/>
+          </p:cNvCxnSpPr>
+          <p:nvPr/>
+        </p:nvCxnSpPr>
+        <p:spPr>
+          <a:xfrm>
+            <a:off x="4676357" y="4711574"/>
+            <a:ext cx="246907" cy="0"/>
+          </a:xfrm>
+          <a:prstGeom prst="straightConnector1">
+            <a:avLst/>
+          </a:prstGeom>
+          <a:ln>
+            <a:tailEnd type="triangle"/>
+          </a:ln>
+        </p:spPr>
+        <p:style>
+          <a:lnRef idx="1">
+            <a:schemeClr val="dk1"/>
+          </a:lnRef>
+          <a:fillRef idx="0">
+            <a:schemeClr val="dk1"/>
+          </a:fillRef>
+          <a:effectRef idx="0">
+            <a:schemeClr val="dk1"/>
+          </a:effectRef>
+          <a:fontRef idx="minor">
+            <a:schemeClr val="tx1"/>
+          </a:fontRef>
+        </p:style>
+      </p:cxnSp>
+      <p:cxnSp>
+        <p:nvCxnSpPr>
+          <p:cNvPr id="18" name="직선 화살표 연결선 17"/>
+          <p:cNvCxnSpPr>
+            <a:stCxn id="13" idx="3"/>
+            <a:endCxn id="14" idx="1"/>
+          </p:cNvCxnSpPr>
+          <p:nvPr/>
+        </p:nvCxnSpPr>
+        <p:spPr>
+          <a:xfrm>
+            <a:off x="5367168" y="4711574"/>
+            <a:ext cx="401651" cy="0"/>
+          </a:xfrm>
+          <a:prstGeom prst="straightConnector1">
+            <a:avLst/>
+          </a:prstGeom>
+          <a:ln>
+            <a:tailEnd type="triangle"/>
+          </a:ln>
+        </p:spPr>
+        <p:style>
+          <a:lnRef idx="1">
+            <a:schemeClr val="dk1"/>
+          </a:lnRef>
+          <a:fillRef idx="0">
+            <a:schemeClr val="dk1"/>
+          </a:fillRef>
+          <a:effectRef idx="0">
+            <a:schemeClr val="dk1"/>
+          </a:effectRef>
+          <a:fontRef idx="minor">
+            <a:schemeClr val="tx1"/>
+          </a:fontRef>
+        </p:style>
+      </p:cxnSp>
+      <p:sp>
+        <p:nvSpPr>
+          <p:cNvPr id="19" name="TextBox 18"/>
+          <p:cNvSpPr txBox="1"/>
+          <p:nvPr/>
+        </p:nvSpPr>
+        <p:spPr>
+          <a:xfrm>
+            <a:off x="2372788" y="4915439"/>
+            <a:ext cx="1036671" cy="369332"/>
+          </a:xfrm>
+          <a:prstGeom prst="rect">
+            <a:avLst/>
+          </a:prstGeom>
+          <a:noFill/>
+        </p:spPr>
+        <p:txBody>
+          <a:bodyPr wrap="square" rtlCol="0">
+            <a:spAutoFit/>
+          </a:bodyPr>
+          <a:lstStyle/>
+          <a:p>
+            <a:pPr algn="ctr"/>
+            <a:r>
+              <a:rPr lang="en-US" altLang="ko-KR" dirty="0" smtClean="0"/>
+              <a:t>structure</a:t>
+            </a:r>
+          </a:p>
+        </p:txBody>
+      </p:sp>
+      <p:sp>
+        <p:nvSpPr>
+          <p:cNvPr id="20" name="TextBox 19"/>
+          <p:cNvSpPr txBox="1"/>
+          <p:nvPr/>
+        </p:nvSpPr>
+        <p:spPr>
+          <a:xfrm>
+            <a:off x="4578261" y="5064809"/>
+            <a:ext cx="1133910" cy="369332"/>
+          </a:xfrm>
+          <a:prstGeom prst="rect">
+            <a:avLst/>
+          </a:prstGeom>
+          <a:noFill/>
+        </p:spPr>
+        <p:txBody>
+          <a:bodyPr wrap="square" rtlCol="0">
+            <a:spAutoFit/>
+          </a:bodyPr>
+          <a:lstStyle/>
+          <a:p>
+            <a:pPr algn="ctr"/>
+            <a:r>
+              <a:rPr lang="en-US" altLang="ko-KR" dirty="0" smtClean="0"/>
+              <a:t>spectrum</a:t>
+            </a:r>
+          </a:p>
+        </p:txBody>
+      </p:sp>
+      <p:sp>
+        <p:nvSpPr>
+          <p:cNvPr id="21" name="TextBox 20"/>
+          <p:cNvSpPr txBox="1"/>
+          <p:nvPr/>
+        </p:nvSpPr>
+        <p:spPr>
+          <a:xfrm>
+            <a:off x="3780259" y="3886661"/>
+            <a:ext cx="1065011" cy="646331"/>
+          </a:xfrm>
+          <a:prstGeom prst="rect">
+            <a:avLst/>
+          </a:prstGeom>
+          <a:noFill/>
+        </p:spPr>
+        <p:txBody>
+          <a:bodyPr wrap="square" rtlCol="0">
+            <a:spAutoFit/>
+          </a:bodyPr>
+          <a:lstStyle/>
+          <a:p>
+            <a:pPr algn="ctr"/>
+            <a:r>
+              <a:rPr lang="en-US" altLang="ko-KR" dirty="0" smtClean="0"/>
+              <a:t>Neural</a:t>
+            </a:r>
+          </a:p>
+          <a:p>
+            <a:pPr algn="ctr"/>
+            <a:r>
+              <a:rPr lang="en-US" altLang="ko-KR" dirty="0" smtClean="0"/>
+              <a:t>Network</a:t>
+            </a:r>
+          </a:p>
+        </p:txBody>
+      </p:sp>
+      <p:cxnSp>
+        <p:nvCxnSpPr>
+          <p:cNvPr id="22" name="꺾인 연결선 21"/>
+          <p:cNvCxnSpPr>
+            <a:stCxn id="14" idx="2"/>
+            <a:endCxn id="12" idx="2"/>
+          </p:cNvCxnSpPr>
+          <p:nvPr/>
+        </p:nvCxnSpPr>
+        <p:spPr>
+          <a:xfrm rot="5400000">
+            <a:off x="4838920" y="3497558"/>
+            <a:ext cx="12700" cy="2858919"/>
+          </a:xfrm>
+          <a:prstGeom prst="bentConnector3">
+            <a:avLst>
+              <a:gd name="adj1" fmla="val 6970906"/>
+            </a:avLst>
+          </a:prstGeom>
+          <a:ln>
+            <a:tailEnd type="triangle"/>
+          </a:ln>
+        </p:spPr>
+        <p:style>
+          <a:lnRef idx="1">
+            <a:schemeClr val="dk1"/>
+          </a:lnRef>
+          <a:fillRef idx="0">
+            <a:schemeClr val="dk1"/>
+          </a:fillRef>
+          <a:effectRef idx="0">
+            <a:schemeClr val="dk1"/>
+          </a:effectRef>
+          <a:fontRef idx="minor">
+            <a:schemeClr val="tx1"/>
+          </a:fontRef>
+        </p:style>
+      </p:cxnSp>
+      <p:sp>
+        <p:nvSpPr>
+          <p:cNvPr id="24" name="직사각형 23"/>
+          <p:cNvSpPr/>
+          <p:nvPr/>
+        </p:nvSpPr>
+        <p:spPr>
+          <a:xfrm>
+            <a:off x="3795218" y="3954304"/>
+            <a:ext cx="1050052" cy="1190625"/>
+          </a:xfrm>
+          <a:prstGeom prst="rect">
+            <a:avLst/>
+          </a:prstGeom>
+          <a:noFill/>
+          <a:ln w="57150">
+            <a:solidFill>
+              <a:srgbClr val="FF0000"/>
+            </a:solidFill>
+            <a:prstDash val="sysDash"/>
+          </a:ln>
+        </p:spPr>
+        <p:style>
+          <a:lnRef idx="2">
+            <a:schemeClr val="accent1">
+              <a:shade val="50000"/>
+            </a:schemeClr>
+          </a:lnRef>
+          <a:fillRef idx="1">
+            <a:schemeClr val="accent1"/>
+          </a:fillRef>
+          <a:effectRef idx="0">
+            <a:schemeClr val="accent1"/>
+          </a:effectRef>
+          <a:fontRef idx="minor">
+            <a:schemeClr val="lt1"/>
+          </a:fontRef>
+        </p:style>
+        <p:txBody>
+          <a:bodyPr rtlCol="0" anchor="ctr"/>
+          <a:lstStyle/>
+          <a:p>
+            <a:pPr algn="ctr"/>
+            <a:endParaRPr lang="ko-KR" altLang="en-US"/>
+          </a:p>
+        </p:txBody>
+      </p:sp>
+      <p:sp>
+        <p:nvSpPr>
+          <p:cNvPr id="6" name="아래쪽 화살표 5"/>
+          <p:cNvSpPr/>
+          <p:nvPr/>
+        </p:nvSpPr>
+        <p:spPr>
+          <a:xfrm>
+            <a:off x="4071668" y="2891076"/>
+            <a:ext cx="604689" cy="878667"/>
+          </a:xfrm>
+          <a:prstGeom prst="downArrow">
+            <a:avLst/>
+          </a:prstGeom>
+          <a:solidFill>
+            <a:srgbClr val="3333FF"/>
+          </a:solidFill>
+          <a:ln>
+            <a:noFill/>
+          </a:ln>
+        </p:spPr>
+        <p:style>
+          <a:lnRef idx="2">
+            <a:schemeClr val="accent1">
+              <a:shade val="50000"/>
+            </a:schemeClr>
+          </a:lnRef>
+          <a:fillRef idx="1">
+            <a:schemeClr val="accent1"/>
+          </a:fillRef>
+          <a:effectRef idx="0">
+            <a:schemeClr val="accent1"/>
+          </a:effectRef>
+          <a:fontRef idx="minor">
+            <a:schemeClr val="lt1"/>
+          </a:fontRef>
+        </p:style>
+        <p:txBody>
+          <a:bodyPr rtlCol="0" anchor="ctr"/>
+          <a:lstStyle/>
+          <a:p>
+            <a:pPr algn="ctr"/>
+            <a:endParaRPr lang="ko-KR" altLang="en-US"/>
           </a:p>
         </p:txBody>
       </p:sp>
